--- a/Slides/Inheritance_Polymorphism.pptx
+++ b/Slides/Inheritance_Polymorphism.pptx
@@ -10,6 +10,12 @@
     <p:sldId id="258" r:id="rId4"/>
     <p:sldId id="259" r:id="rId5"/>
     <p:sldId id="260" r:id="rId6"/>
+    <p:sldId id="263" r:id="rId7"/>
+    <p:sldId id="264" r:id="rId8"/>
+    <p:sldId id="261" r:id="rId9"/>
+    <p:sldId id="262" r:id="rId10"/>
+    <p:sldId id="265" r:id="rId11"/>
+    <p:sldId id="266" r:id="rId12"/>
   </p:sldIdLst>
   <p:sldSz cx="12192000" cy="6858000"/>
   <p:notesSz cx="6858000" cy="9144000"/>
@@ -108,6 +114,11 @@
       </a:defRPr>
     </a:lvl9pPr>
   </p:defaultTextStyle>
+  <p:extLst>
+    <p:ext uri="{EFAFB233-063F-42B5-8137-9DF3F51BA10A}">
+      <p15:sldGuideLst xmlns:p15="http://schemas.microsoft.com/office/powerpoint/2012/main"/>
+    </p:ext>
+  </p:extLst>
 </p:presentation>
 </file>
 
@@ -258,7 +269,7 @@
           <a:p>
             <a:fld id="{6AF25F39-4F70-4C90-950C-C0885357E7C9}" type="datetimeFigureOut">
               <a:rPr lang="en-US" smtClean="0"/>
-              <a:t>9/18/2019</a:t>
+              <a:t>10/17/2019</a:t>
             </a:fld>
             <a:endParaRPr lang="en-US"/>
           </a:p>
@@ -456,7 +467,7 @@
           <a:p>
             <a:fld id="{6AF25F39-4F70-4C90-950C-C0885357E7C9}" type="datetimeFigureOut">
               <a:rPr lang="en-US" smtClean="0"/>
-              <a:t>9/18/2019</a:t>
+              <a:t>10/17/2019</a:t>
             </a:fld>
             <a:endParaRPr lang="en-US"/>
           </a:p>
@@ -664,7 +675,7 @@
           <a:p>
             <a:fld id="{6AF25F39-4F70-4C90-950C-C0885357E7C9}" type="datetimeFigureOut">
               <a:rPr lang="en-US" smtClean="0"/>
-              <a:t>9/18/2019</a:t>
+              <a:t>10/17/2019</a:t>
             </a:fld>
             <a:endParaRPr lang="en-US"/>
           </a:p>
@@ -862,7 +873,7 @@
           <a:p>
             <a:fld id="{6AF25F39-4F70-4C90-950C-C0885357E7C9}" type="datetimeFigureOut">
               <a:rPr lang="en-US" smtClean="0"/>
-              <a:t>9/18/2019</a:t>
+              <a:t>10/17/2019</a:t>
             </a:fld>
             <a:endParaRPr lang="en-US"/>
           </a:p>
@@ -1137,7 +1148,7 @@
           <a:p>
             <a:fld id="{6AF25F39-4F70-4C90-950C-C0885357E7C9}" type="datetimeFigureOut">
               <a:rPr lang="en-US" smtClean="0"/>
-              <a:t>9/18/2019</a:t>
+              <a:t>10/17/2019</a:t>
             </a:fld>
             <a:endParaRPr lang="en-US"/>
           </a:p>
@@ -1402,7 +1413,7 @@
           <a:p>
             <a:fld id="{6AF25F39-4F70-4C90-950C-C0885357E7C9}" type="datetimeFigureOut">
               <a:rPr lang="en-US" smtClean="0"/>
-              <a:t>9/18/2019</a:t>
+              <a:t>10/17/2019</a:t>
             </a:fld>
             <a:endParaRPr lang="en-US"/>
           </a:p>
@@ -1814,7 +1825,7 @@
           <a:p>
             <a:fld id="{6AF25F39-4F70-4C90-950C-C0885357E7C9}" type="datetimeFigureOut">
               <a:rPr lang="en-US" smtClean="0"/>
-              <a:t>9/18/2019</a:t>
+              <a:t>10/17/2019</a:t>
             </a:fld>
             <a:endParaRPr lang="en-US"/>
           </a:p>
@@ -1955,7 +1966,7 @@
           <a:p>
             <a:fld id="{6AF25F39-4F70-4C90-950C-C0885357E7C9}" type="datetimeFigureOut">
               <a:rPr lang="en-US" smtClean="0"/>
-              <a:t>9/18/2019</a:t>
+              <a:t>10/17/2019</a:t>
             </a:fld>
             <a:endParaRPr lang="en-US"/>
           </a:p>
@@ -2068,7 +2079,7 @@
           <a:p>
             <a:fld id="{6AF25F39-4F70-4C90-950C-C0885357E7C9}" type="datetimeFigureOut">
               <a:rPr lang="en-US" smtClean="0"/>
-              <a:t>9/18/2019</a:t>
+              <a:t>10/17/2019</a:t>
             </a:fld>
             <a:endParaRPr lang="en-US"/>
           </a:p>
@@ -2379,7 +2390,7 @@
           <a:p>
             <a:fld id="{6AF25F39-4F70-4C90-950C-C0885357E7C9}" type="datetimeFigureOut">
               <a:rPr lang="en-US" smtClean="0"/>
-              <a:t>9/18/2019</a:t>
+              <a:t>10/17/2019</a:t>
             </a:fld>
             <a:endParaRPr lang="en-US"/>
           </a:p>
@@ -2667,7 +2678,7 @@
           <a:p>
             <a:fld id="{6AF25F39-4F70-4C90-950C-C0885357E7C9}" type="datetimeFigureOut">
               <a:rPr lang="en-US" smtClean="0"/>
-              <a:t>9/18/2019</a:t>
+              <a:t>10/17/2019</a:t>
             </a:fld>
             <a:endParaRPr lang="en-US"/>
           </a:p>
@@ -2908,7 +2919,7 @@
           <a:p>
             <a:fld id="{6AF25F39-4F70-4C90-950C-C0885357E7C9}" type="datetimeFigureOut">
               <a:rPr lang="en-US" smtClean="0"/>
-              <a:t>9/18/2019</a:t>
+              <a:t>10/17/2019</a:t>
             </a:fld>
             <a:endParaRPr lang="en-US"/>
           </a:p>
@@ -3366,6 +3377,411 @@
 </p:sld>
 </file>
 
+<file path=ppt/slides/slide10.xml><?xml version="1.0" encoding="utf-8"?>
+<p:sld xmlns:a="http://schemas.openxmlformats.org/drawingml/2006/main" xmlns:r="http://schemas.openxmlformats.org/officeDocument/2006/relationships" xmlns:p="http://schemas.openxmlformats.org/presentationml/2006/main">
+  <p:cSld>
+    <p:spTree>
+      <p:nvGrpSpPr>
+        <p:cNvPr id="1" name=""/>
+        <p:cNvGrpSpPr/>
+        <p:nvPr/>
+      </p:nvGrpSpPr>
+      <p:grpSpPr>
+        <a:xfrm>
+          <a:off x="0" y="0"/>
+          <a:ext cx="0" cy="0"/>
+          <a:chOff x="0" y="0"/>
+          <a:chExt cx="0" cy="0"/>
+        </a:xfrm>
+      </p:grpSpPr>
+      <p:sp>
+        <p:nvSpPr>
+          <p:cNvPr id="2" name="Title 1">
+            <a:extLst>
+              <a:ext uri="{FF2B5EF4-FFF2-40B4-BE49-F238E27FC236}">
+                <a16:creationId xmlns:a16="http://schemas.microsoft.com/office/drawing/2014/main" id="{BE52AB50-3921-4019-9450-F17EDC10AC29}"/>
+              </a:ext>
+            </a:extLst>
+          </p:cNvPr>
+          <p:cNvSpPr>
+            <a:spLocks noGrp="1"/>
+          </p:cNvSpPr>
+          <p:nvPr>
+            <p:ph type="title"/>
+          </p:nvPr>
+        </p:nvSpPr>
+        <p:spPr/>
+        <p:txBody>
+          <a:bodyPr/>
+          <a:lstStyle/>
+          <a:p>
+            <a:r>
+              <a:rPr lang="en-US" dirty="0"/>
+              <a:t>Casting</a:t>
+            </a:r>
+          </a:p>
+        </p:txBody>
+      </p:sp>
+      <p:sp>
+        <p:nvSpPr>
+          <p:cNvPr id="3" name="Content Placeholder 2">
+            <a:extLst>
+              <a:ext uri="{FF2B5EF4-FFF2-40B4-BE49-F238E27FC236}">
+                <a16:creationId xmlns:a16="http://schemas.microsoft.com/office/drawing/2014/main" id="{BBF1362F-79B9-46CC-BA2E-9EA560ECF21A}"/>
+              </a:ext>
+            </a:extLst>
+          </p:cNvPr>
+          <p:cNvSpPr>
+            <a:spLocks noGrp="1"/>
+          </p:cNvSpPr>
+          <p:nvPr>
+            <p:ph idx="1"/>
+          </p:nvPr>
+        </p:nvSpPr>
+        <p:spPr/>
+        <p:txBody>
+          <a:bodyPr>
+            <a:normAutofit/>
+          </a:bodyPr>
+          <a:lstStyle/>
+          <a:p>
+            <a:r>
+              <a:rPr lang="en-US" sz="2000" dirty="0"/>
+              <a:t>Variables can be ‘</a:t>
+            </a:r>
+            <a:r>
+              <a:rPr lang="en-US" sz="2000" dirty="0" err="1"/>
+              <a:t>upcast</a:t>
+            </a:r>
+            <a:r>
+              <a:rPr lang="en-US" sz="2000" dirty="0"/>
+              <a:t>’(implicit, generally safe) and ‘downcast’(explicit, unsafe)</a:t>
+            </a:r>
+          </a:p>
+          <a:p>
+            <a:r>
+              <a:rPr lang="en-US" sz="2000" dirty="0"/>
+              <a:t>Syntax:</a:t>
+            </a:r>
+          </a:p>
+          <a:p>
+            <a:pPr marL="0" indent="0">
+              <a:buNone/>
+            </a:pPr>
+            <a:r>
+              <a:rPr lang="en-US" sz="2000" dirty="0" err="1"/>
+              <a:t>Upcast</a:t>
+            </a:r>
+            <a:r>
+              <a:rPr lang="en-US" sz="2000" dirty="0"/>
+              <a:t>:</a:t>
+            </a:r>
+          </a:p>
+          <a:p>
+            <a:pPr marL="0" indent="0">
+              <a:buNone/>
+            </a:pPr>
+            <a:r>
+              <a:rPr lang="en-US" sz="2000" dirty="0" err="1">
+                <a:solidFill>
+                  <a:schemeClr val="accent1"/>
+                </a:solidFill>
+                <a:latin typeface="Consolas" panose="020B0609020204030204" pitchFamily="49" charset="0"/>
+              </a:rPr>
+              <a:t>BaseType</a:t>
+            </a:r>
+            <a:r>
+              <a:rPr lang="en-US" sz="2000" dirty="0">
+                <a:latin typeface="Consolas" panose="020B0609020204030204" pitchFamily="49" charset="0"/>
+              </a:rPr>
+              <a:t> </a:t>
+            </a:r>
+            <a:r>
+              <a:rPr lang="en-US" sz="2000" dirty="0" err="1">
+                <a:latin typeface="Consolas" panose="020B0609020204030204" pitchFamily="49" charset="0"/>
+              </a:rPr>
+              <a:t>upCastVar</a:t>
+            </a:r>
+            <a:r>
+              <a:rPr lang="en-US" sz="2000" dirty="0">
+                <a:latin typeface="Consolas" panose="020B0609020204030204" pitchFamily="49" charset="0"/>
+              </a:rPr>
+              <a:t> = new </a:t>
+            </a:r>
+            <a:r>
+              <a:rPr lang="en-US" sz="2000" dirty="0" err="1">
+                <a:solidFill>
+                  <a:schemeClr val="accent1"/>
+                </a:solidFill>
+                <a:latin typeface="Consolas" panose="020B0609020204030204" pitchFamily="49" charset="0"/>
+              </a:rPr>
+              <a:t>SubType</a:t>
+            </a:r>
+            <a:r>
+              <a:rPr lang="en-US" sz="2000" dirty="0">
+                <a:latin typeface="Consolas" panose="020B0609020204030204" pitchFamily="49" charset="0"/>
+              </a:rPr>
+              <a:t>();</a:t>
+            </a:r>
+          </a:p>
+          <a:p>
+            <a:pPr marL="0" indent="0">
+              <a:buNone/>
+            </a:pPr>
+            <a:r>
+              <a:rPr lang="en-US" sz="2000" dirty="0"/>
+              <a:t>Downcast:</a:t>
+            </a:r>
+          </a:p>
+          <a:p>
+            <a:pPr marL="0" indent="0">
+              <a:buNone/>
+            </a:pPr>
+            <a:r>
+              <a:rPr lang="en-US" sz="2000" dirty="0" err="1">
+                <a:solidFill>
+                  <a:schemeClr val="accent1"/>
+                </a:solidFill>
+                <a:latin typeface="Consolas" panose="020B0609020204030204" pitchFamily="49" charset="0"/>
+              </a:rPr>
+              <a:t>SubType</a:t>
+            </a:r>
+            <a:r>
+              <a:rPr lang="en-US" sz="2000" dirty="0">
+                <a:latin typeface="Consolas" panose="020B0609020204030204" pitchFamily="49" charset="0"/>
+              </a:rPr>
+              <a:t> </a:t>
+            </a:r>
+            <a:r>
+              <a:rPr lang="en-US" sz="2000" dirty="0" err="1">
+                <a:latin typeface="Consolas" panose="020B0609020204030204" pitchFamily="49" charset="0"/>
+              </a:rPr>
+              <a:t>downCastVar</a:t>
+            </a:r>
+            <a:r>
+              <a:rPr lang="en-US" sz="2000" dirty="0">
+                <a:latin typeface="Consolas" panose="020B0609020204030204" pitchFamily="49" charset="0"/>
+              </a:rPr>
+              <a:t> = (</a:t>
+            </a:r>
+            <a:r>
+              <a:rPr lang="en-US" sz="2000" dirty="0" err="1">
+                <a:solidFill>
+                  <a:schemeClr val="accent1"/>
+                </a:solidFill>
+                <a:latin typeface="Consolas" panose="020B0609020204030204" pitchFamily="49" charset="0"/>
+              </a:rPr>
+              <a:t>SubType</a:t>
+            </a:r>
+            <a:r>
+              <a:rPr lang="en-US" sz="2000" dirty="0">
+                <a:latin typeface="Consolas" panose="020B0609020204030204" pitchFamily="49" charset="0"/>
+              </a:rPr>
+              <a:t>)</a:t>
+            </a:r>
+            <a:r>
+              <a:rPr lang="en-US" sz="2000" dirty="0" err="1">
+                <a:latin typeface="Consolas" panose="020B0609020204030204" pitchFamily="49" charset="0"/>
+              </a:rPr>
+              <a:t>upCastVar</a:t>
+            </a:r>
+            <a:r>
+              <a:rPr lang="en-US" sz="2000" dirty="0">
+                <a:latin typeface="Consolas" panose="020B0609020204030204" pitchFamily="49" charset="0"/>
+              </a:rPr>
+              <a:t>;</a:t>
+            </a:r>
+          </a:p>
+          <a:p>
+            <a:r>
+              <a:rPr lang="en-US" sz="2000" dirty="0"/>
+              <a:t>Warning! </a:t>
+            </a:r>
+            <a:r>
+              <a:rPr lang="en-US" sz="2000" dirty="0" err="1"/>
+              <a:t>Downcasting</a:t>
+            </a:r>
+            <a:r>
+              <a:rPr lang="en-US" sz="2000" dirty="0"/>
+              <a:t> may result in runtime errors if type does not inherit from original type, </a:t>
+            </a:r>
+            <a:r>
+              <a:rPr lang="en-US" sz="2000" i="1" dirty="0"/>
+              <a:t>even if the code compiles</a:t>
+            </a:r>
+            <a:endParaRPr lang="en-US" sz="2000" dirty="0"/>
+          </a:p>
+          <a:p>
+            <a:pPr lvl="1"/>
+            <a:r>
+              <a:rPr lang="en-US" sz="1600" dirty="0"/>
+              <a:t>If a downcast fails on a reference type, the value is </a:t>
+            </a:r>
+            <a:r>
+              <a:rPr lang="en-US" sz="1600" dirty="0">
+                <a:latin typeface="Consolas" panose="020B0609020204030204" pitchFamily="49" charset="0"/>
+              </a:rPr>
+              <a:t>null</a:t>
+            </a:r>
+            <a:r>
+              <a:rPr lang="en-US" sz="1600" dirty="0"/>
+              <a:t>. If downcast fails on value type, exception is thrown</a:t>
+            </a:r>
+          </a:p>
+          <a:p>
+            <a:pPr lvl="1"/>
+            <a:r>
+              <a:rPr lang="en-US" sz="1600" dirty="0"/>
+              <a:t>For reference types, </a:t>
+            </a:r>
+            <a:r>
+              <a:rPr lang="en-US" sz="1600" i="1" dirty="0"/>
+              <a:t>always</a:t>
+            </a:r>
+            <a:r>
+              <a:rPr lang="en-US" sz="1600" dirty="0"/>
+              <a:t> check for </a:t>
+            </a:r>
+            <a:r>
+              <a:rPr lang="en-US" sz="1600" dirty="0">
+                <a:latin typeface="Consolas" panose="020B0609020204030204" pitchFamily="49" charset="0"/>
+              </a:rPr>
+              <a:t>null</a:t>
+            </a:r>
+            <a:r>
+              <a:rPr lang="en-US" sz="1600" dirty="0"/>
+              <a:t> after </a:t>
+            </a:r>
+            <a:r>
+              <a:rPr lang="en-US" sz="1600" dirty="0" err="1"/>
+              <a:t>downcasting</a:t>
+            </a:r>
+            <a:endParaRPr lang="en-US" sz="1600" dirty="0"/>
+          </a:p>
+        </p:txBody>
+      </p:sp>
+    </p:spTree>
+    <p:extLst>
+      <p:ext uri="{BB962C8B-B14F-4D97-AF65-F5344CB8AC3E}">
+        <p14:creationId xmlns:p14="http://schemas.microsoft.com/office/powerpoint/2010/main" val="1366766435"/>
+      </p:ext>
+    </p:extLst>
+  </p:cSld>
+  <p:clrMapOvr>
+    <a:masterClrMapping/>
+  </p:clrMapOvr>
+</p:sld>
+</file>
+
+<file path=ppt/slides/slide11.xml><?xml version="1.0" encoding="utf-8"?>
+<p:sld xmlns:a="http://schemas.openxmlformats.org/drawingml/2006/main" xmlns:r="http://schemas.openxmlformats.org/officeDocument/2006/relationships" xmlns:p="http://schemas.openxmlformats.org/presentationml/2006/main">
+  <p:cSld>
+    <p:spTree>
+      <p:nvGrpSpPr>
+        <p:cNvPr id="1" name=""/>
+        <p:cNvGrpSpPr/>
+        <p:nvPr/>
+      </p:nvGrpSpPr>
+      <p:grpSpPr>
+        <a:xfrm>
+          <a:off x="0" y="0"/>
+          <a:ext cx="0" cy="0"/>
+          <a:chOff x="0" y="0"/>
+          <a:chExt cx="0" cy="0"/>
+        </a:xfrm>
+      </p:grpSpPr>
+      <p:sp>
+        <p:nvSpPr>
+          <p:cNvPr id="2" name="Title 1">
+            <a:extLst>
+              <a:ext uri="{FF2B5EF4-FFF2-40B4-BE49-F238E27FC236}">
+                <a16:creationId xmlns:a16="http://schemas.microsoft.com/office/drawing/2014/main" id="{0CE82448-FF65-4EF6-AA55-6703F0950927}"/>
+              </a:ext>
+            </a:extLst>
+          </p:cNvPr>
+          <p:cNvSpPr>
+            <a:spLocks noGrp="1"/>
+          </p:cNvSpPr>
+          <p:nvPr>
+            <p:ph type="title"/>
+          </p:nvPr>
+        </p:nvSpPr>
+        <p:spPr/>
+        <p:txBody>
+          <a:bodyPr/>
+          <a:lstStyle/>
+          <a:p>
+            <a:r>
+              <a:rPr lang="en-US" dirty="0"/>
+              <a:t>Try it out!</a:t>
+            </a:r>
+          </a:p>
+        </p:txBody>
+      </p:sp>
+      <p:sp>
+        <p:nvSpPr>
+          <p:cNvPr id="3" name="Content Placeholder 2">
+            <a:extLst>
+              <a:ext uri="{FF2B5EF4-FFF2-40B4-BE49-F238E27FC236}">
+                <a16:creationId xmlns:a16="http://schemas.microsoft.com/office/drawing/2014/main" id="{EE8AF0C9-82CA-412F-8EC6-7F3EE08F0A59}"/>
+              </a:ext>
+            </a:extLst>
+          </p:cNvPr>
+          <p:cNvSpPr>
+            <a:spLocks noGrp="1"/>
+          </p:cNvSpPr>
+          <p:nvPr>
+            <p:ph idx="1"/>
+          </p:nvPr>
+        </p:nvSpPr>
+        <p:spPr/>
+        <p:txBody>
+          <a:bodyPr/>
+          <a:lstStyle/>
+          <a:p>
+            <a:pPr marL="0" indent="0">
+              <a:buNone/>
+            </a:pPr>
+            <a:r>
+              <a:rPr lang="en-US" dirty="0"/>
+              <a:t>On your local machine, you can run the following to create a new project, then open it VS Code</a:t>
+            </a:r>
+          </a:p>
+          <a:p>
+            <a:pPr marL="0" indent="0">
+              <a:buNone/>
+            </a:pPr>
+            <a:r>
+              <a:rPr lang="en-US" dirty="0">
+                <a:latin typeface="Consolas" panose="020B0609020204030204" pitchFamily="49" charset="0"/>
+              </a:rPr>
+              <a:t>dotnet </a:t>
+            </a:r>
+            <a:r>
+              <a:rPr lang="en-US">
+                <a:latin typeface="Consolas" panose="020B0609020204030204" pitchFamily="49" charset="0"/>
+              </a:rPr>
+              <a:t>new console</a:t>
+            </a:r>
+            <a:endParaRPr lang="en-US" dirty="0">
+              <a:latin typeface="Consolas" panose="020B0609020204030204" pitchFamily="49" charset="0"/>
+            </a:endParaRPr>
+          </a:p>
+        </p:txBody>
+      </p:sp>
+    </p:spTree>
+    <p:extLst>
+      <p:ext uri="{BB962C8B-B14F-4D97-AF65-F5344CB8AC3E}">
+        <p14:creationId xmlns:p14="http://schemas.microsoft.com/office/powerpoint/2010/main" val="891152683"/>
+      </p:ext>
+    </p:extLst>
+  </p:cSld>
+  <p:clrMapOvr>
+    <a:masterClrMapping/>
+  </p:clrMapOvr>
+</p:sld>
+</file>
+
 <file path=ppt/slides/slide2.xml><?xml version="1.0" encoding="utf-8"?>
 <p:sld xmlns:a="http://schemas.openxmlformats.org/drawingml/2006/main" xmlns:r="http://schemas.openxmlformats.org/officeDocument/2006/relationships" xmlns:p="http://schemas.openxmlformats.org/presentationml/2006/main">
   <p:cSld>
@@ -5899,6 +6315,1543 @@
     <p:extLst>
       <p:ext uri="{BB962C8B-B14F-4D97-AF65-F5344CB8AC3E}">
         <p14:creationId xmlns:p14="http://schemas.microsoft.com/office/powerpoint/2010/main" val="241797977"/>
+      </p:ext>
+    </p:extLst>
+  </p:cSld>
+  <p:clrMapOvr>
+    <a:masterClrMapping/>
+  </p:clrMapOvr>
+</p:sld>
+</file>
+
+<file path=ppt/slides/slide6.xml><?xml version="1.0" encoding="utf-8"?>
+<p:sld xmlns:a="http://schemas.openxmlformats.org/drawingml/2006/main" xmlns:r="http://schemas.openxmlformats.org/officeDocument/2006/relationships" xmlns:p="http://schemas.openxmlformats.org/presentationml/2006/main">
+  <p:cSld>
+    <p:spTree>
+      <p:nvGrpSpPr>
+        <p:cNvPr id="1" name=""/>
+        <p:cNvGrpSpPr/>
+        <p:nvPr/>
+      </p:nvGrpSpPr>
+      <p:grpSpPr>
+        <a:xfrm>
+          <a:off x="0" y="0"/>
+          <a:ext cx="0" cy="0"/>
+          <a:chOff x="0" y="0"/>
+          <a:chExt cx="0" cy="0"/>
+        </a:xfrm>
+      </p:grpSpPr>
+      <p:sp>
+        <p:nvSpPr>
+          <p:cNvPr id="2" name="Title 1">
+            <a:extLst>
+              <a:ext uri="{FF2B5EF4-FFF2-40B4-BE49-F238E27FC236}">
+                <a16:creationId xmlns:a16="http://schemas.microsoft.com/office/drawing/2014/main" id="{A6F93F0D-6A0E-483F-98BB-325063CD4A1F}"/>
+              </a:ext>
+            </a:extLst>
+          </p:cNvPr>
+          <p:cNvSpPr>
+            <a:spLocks noGrp="1"/>
+          </p:cNvSpPr>
+          <p:nvPr>
+            <p:ph type="title"/>
+          </p:nvPr>
+        </p:nvSpPr>
+        <p:spPr/>
+        <p:txBody>
+          <a:bodyPr/>
+          <a:lstStyle/>
+          <a:p>
+            <a:r>
+              <a:rPr lang="en-US" dirty="0"/>
+              <a:t>Constructor inheritance</a:t>
+            </a:r>
+          </a:p>
+        </p:txBody>
+      </p:sp>
+      <p:sp>
+        <p:nvSpPr>
+          <p:cNvPr id="3" name="Content Placeholder 2">
+            <a:extLst>
+              <a:ext uri="{FF2B5EF4-FFF2-40B4-BE49-F238E27FC236}">
+                <a16:creationId xmlns:a16="http://schemas.microsoft.com/office/drawing/2014/main" id="{152A3005-8C76-471F-AA90-D762DBF93329}"/>
+              </a:ext>
+            </a:extLst>
+          </p:cNvPr>
+          <p:cNvSpPr>
+            <a:spLocks noGrp="1"/>
+          </p:cNvSpPr>
+          <p:nvPr>
+            <p:ph idx="1"/>
+          </p:nvPr>
+        </p:nvSpPr>
+        <p:spPr/>
+        <p:txBody>
+          <a:bodyPr/>
+          <a:lstStyle/>
+          <a:p>
+            <a:r>
+              <a:rPr lang="en-US" dirty="0"/>
+              <a:t>Subclass’ constructors can call base class’s constructors</a:t>
+            </a:r>
+          </a:p>
+          <a:p>
+            <a:r>
+              <a:rPr lang="en-US" dirty="0"/>
+              <a:t>Similar to overriding using the </a:t>
+            </a:r>
+            <a:r>
+              <a:rPr lang="en-US" sz="2400" dirty="0">
+                <a:latin typeface="Consolas" panose="020B0609020204030204" pitchFamily="49" charset="0"/>
+              </a:rPr>
+              <a:t>base</a:t>
+            </a:r>
+            <a:r>
+              <a:rPr lang="en-US" dirty="0"/>
+              <a:t> keyword</a:t>
+            </a:r>
+          </a:p>
+        </p:txBody>
+      </p:sp>
+    </p:spTree>
+    <p:extLst>
+      <p:ext uri="{BB962C8B-B14F-4D97-AF65-F5344CB8AC3E}">
+        <p14:creationId xmlns:p14="http://schemas.microsoft.com/office/powerpoint/2010/main" val="3399862403"/>
+      </p:ext>
+    </p:extLst>
+  </p:cSld>
+  <p:clrMapOvr>
+    <a:masterClrMapping/>
+  </p:clrMapOvr>
+</p:sld>
+</file>
+
+<file path=ppt/slides/slide7.xml><?xml version="1.0" encoding="utf-8"?>
+<p:sld xmlns:a="http://schemas.openxmlformats.org/drawingml/2006/main" xmlns:r="http://schemas.openxmlformats.org/officeDocument/2006/relationships" xmlns:p="http://schemas.openxmlformats.org/presentationml/2006/main">
+  <p:cSld>
+    <p:spTree>
+      <p:nvGrpSpPr>
+        <p:cNvPr id="1" name=""/>
+        <p:cNvGrpSpPr/>
+        <p:nvPr/>
+      </p:nvGrpSpPr>
+      <p:grpSpPr>
+        <a:xfrm>
+          <a:off x="0" y="0"/>
+          <a:ext cx="0" cy="0"/>
+          <a:chOff x="0" y="0"/>
+          <a:chExt cx="0" cy="0"/>
+        </a:xfrm>
+      </p:grpSpPr>
+      <p:sp>
+        <p:nvSpPr>
+          <p:cNvPr id="5" name="TextBox 4">
+            <a:extLst>
+              <a:ext uri="{FF2B5EF4-FFF2-40B4-BE49-F238E27FC236}">
+                <a16:creationId xmlns:a16="http://schemas.microsoft.com/office/drawing/2014/main" id="{8DF99C94-ACFC-40A6-82C9-BA65C846667E}"/>
+              </a:ext>
+            </a:extLst>
+          </p:cNvPr>
+          <p:cNvSpPr txBox="1"/>
+          <p:nvPr/>
+        </p:nvSpPr>
+        <p:spPr>
+          <a:xfrm>
+            <a:off x="290945" y="404256"/>
+            <a:ext cx="11602193" cy="5847755"/>
+          </a:xfrm>
+          <a:prstGeom prst="rect">
+            <a:avLst/>
+          </a:prstGeom>
+          <a:solidFill>
+            <a:schemeClr val="tx1">
+              <a:lumMod val="85000"/>
+              <a:lumOff val="15000"/>
+            </a:schemeClr>
+          </a:solidFill>
+        </p:spPr>
+        <p:txBody>
+          <a:bodyPr wrap="square" rtlCol="0">
+            <a:spAutoFit/>
+          </a:bodyPr>
+          <a:lstStyle/>
+          <a:p>
+            <a:r>
+              <a:rPr lang="en-US" sz="1100" dirty="0">
+                <a:solidFill>
+                  <a:srgbClr val="569CD6"/>
+                </a:solidFill>
+                <a:latin typeface="Consolas" panose="020B0609020204030204" pitchFamily="49" charset="0"/>
+              </a:rPr>
+              <a:t>public</a:t>
+            </a:r>
+            <a:r>
+              <a:rPr lang="en-US" sz="1100" dirty="0">
+                <a:solidFill>
+                  <a:srgbClr val="D4D4D4"/>
+                </a:solidFill>
+                <a:latin typeface="Consolas" panose="020B0609020204030204" pitchFamily="49" charset="0"/>
+              </a:rPr>
+              <a:t> </a:t>
+            </a:r>
+            <a:r>
+              <a:rPr lang="en-US" sz="1100" dirty="0">
+                <a:solidFill>
+                  <a:srgbClr val="569CD6"/>
+                </a:solidFill>
+                <a:latin typeface="Consolas" panose="020B0609020204030204" pitchFamily="49" charset="0"/>
+              </a:rPr>
+              <a:t>abstract</a:t>
+            </a:r>
+            <a:r>
+              <a:rPr lang="en-US" sz="1100" dirty="0">
+                <a:solidFill>
+                  <a:srgbClr val="D4D4D4"/>
+                </a:solidFill>
+                <a:latin typeface="Consolas" panose="020B0609020204030204" pitchFamily="49" charset="0"/>
+              </a:rPr>
+              <a:t> </a:t>
+            </a:r>
+            <a:r>
+              <a:rPr lang="en-US" sz="1100" dirty="0">
+                <a:solidFill>
+                  <a:srgbClr val="569CD6"/>
+                </a:solidFill>
+                <a:latin typeface="Consolas" panose="020B0609020204030204" pitchFamily="49" charset="0"/>
+              </a:rPr>
+              <a:t>class</a:t>
+            </a:r>
+            <a:r>
+              <a:rPr lang="en-US" sz="1100" dirty="0">
+                <a:solidFill>
+                  <a:srgbClr val="D4D4D4"/>
+                </a:solidFill>
+                <a:latin typeface="Consolas" panose="020B0609020204030204" pitchFamily="49" charset="0"/>
+              </a:rPr>
+              <a:t> Person</a:t>
+            </a:r>
+          </a:p>
+          <a:p>
+            <a:r>
+              <a:rPr lang="en-US" sz="1100" dirty="0">
+                <a:solidFill>
+                  <a:srgbClr val="D4D4D4"/>
+                </a:solidFill>
+                <a:latin typeface="Consolas" panose="020B0609020204030204" pitchFamily="49" charset="0"/>
+              </a:rPr>
+              <a:t>{</a:t>
+            </a:r>
+          </a:p>
+          <a:p>
+            <a:r>
+              <a:rPr lang="en-US" sz="1100" dirty="0">
+                <a:solidFill>
+                  <a:srgbClr val="D4D4D4"/>
+                </a:solidFill>
+                <a:latin typeface="Consolas" panose="020B0609020204030204" pitchFamily="49" charset="0"/>
+              </a:rPr>
+              <a:t>    </a:t>
+            </a:r>
+            <a:r>
+              <a:rPr lang="en-US" sz="1100" dirty="0">
+                <a:solidFill>
+                  <a:srgbClr val="569CD6"/>
+                </a:solidFill>
+                <a:latin typeface="Consolas" panose="020B0609020204030204" pitchFamily="49" charset="0"/>
+              </a:rPr>
+              <a:t>protected</a:t>
+            </a:r>
+            <a:r>
+              <a:rPr lang="en-US" sz="1100" dirty="0">
+                <a:solidFill>
+                  <a:srgbClr val="D4D4D4"/>
+                </a:solidFill>
+                <a:latin typeface="Consolas" panose="020B0609020204030204" pitchFamily="49" charset="0"/>
+              </a:rPr>
+              <a:t> Person(</a:t>
+            </a:r>
+            <a:r>
+              <a:rPr lang="en-US" sz="1100" dirty="0">
+                <a:solidFill>
+                  <a:srgbClr val="569CD6"/>
+                </a:solidFill>
+                <a:latin typeface="Consolas" panose="020B0609020204030204" pitchFamily="49" charset="0"/>
+              </a:rPr>
+              <a:t>string</a:t>
+            </a:r>
+            <a:r>
+              <a:rPr lang="en-US" sz="1100" dirty="0">
+                <a:solidFill>
+                  <a:srgbClr val="D4D4D4"/>
+                </a:solidFill>
+                <a:latin typeface="Consolas" panose="020B0609020204030204" pitchFamily="49" charset="0"/>
+              </a:rPr>
+              <a:t> name, </a:t>
+            </a:r>
+            <a:r>
+              <a:rPr lang="en-US" sz="1100" dirty="0">
+                <a:solidFill>
+                  <a:srgbClr val="569CD6"/>
+                </a:solidFill>
+                <a:latin typeface="Consolas" panose="020B0609020204030204" pitchFamily="49" charset="0"/>
+              </a:rPr>
+              <a:t>decimal</a:t>
+            </a:r>
+            <a:r>
+              <a:rPr lang="en-US" sz="1100" dirty="0">
+                <a:solidFill>
+                  <a:srgbClr val="D4D4D4"/>
+                </a:solidFill>
+                <a:latin typeface="Consolas" panose="020B0609020204030204" pitchFamily="49" charset="0"/>
+              </a:rPr>
+              <a:t> tenure)</a:t>
+            </a:r>
+          </a:p>
+          <a:p>
+            <a:r>
+              <a:rPr lang="en-US" sz="1100" dirty="0">
+                <a:solidFill>
+                  <a:srgbClr val="D4D4D4"/>
+                </a:solidFill>
+                <a:latin typeface="Consolas" panose="020B0609020204030204" pitchFamily="49" charset="0"/>
+              </a:rPr>
+              <a:t>    {</a:t>
+            </a:r>
+          </a:p>
+          <a:p>
+            <a:r>
+              <a:rPr lang="en-US" sz="1100" dirty="0">
+                <a:solidFill>
+                  <a:srgbClr val="D4D4D4"/>
+                </a:solidFill>
+                <a:latin typeface="Consolas" panose="020B0609020204030204" pitchFamily="49" charset="0"/>
+              </a:rPr>
+              <a:t>        Name = name;</a:t>
+            </a:r>
+          </a:p>
+          <a:p>
+            <a:r>
+              <a:rPr lang="en-US" sz="1100" dirty="0">
+                <a:solidFill>
+                  <a:srgbClr val="D4D4D4"/>
+                </a:solidFill>
+                <a:latin typeface="Consolas" panose="020B0609020204030204" pitchFamily="49" charset="0"/>
+              </a:rPr>
+              <a:t>        Tenure = tenure;</a:t>
+            </a:r>
+          </a:p>
+          <a:p>
+            <a:r>
+              <a:rPr lang="en-US" sz="1100" dirty="0">
+                <a:solidFill>
+                  <a:srgbClr val="D4D4D4"/>
+                </a:solidFill>
+                <a:latin typeface="Consolas" panose="020B0609020204030204" pitchFamily="49" charset="0"/>
+              </a:rPr>
+              <a:t>    }</a:t>
+            </a:r>
+          </a:p>
+          <a:p>
+            <a:br>
+              <a:rPr lang="en-US" sz="1100" dirty="0">
+                <a:solidFill>
+                  <a:srgbClr val="D4D4D4"/>
+                </a:solidFill>
+                <a:latin typeface="Consolas" panose="020B0609020204030204" pitchFamily="49" charset="0"/>
+              </a:rPr>
+            </a:br>
+            <a:r>
+              <a:rPr lang="en-US" sz="1100" dirty="0">
+                <a:solidFill>
+                  <a:srgbClr val="D4D4D4"/>
+                </a:solidFill>
+                <a:latin typeface="Consolas" panose="020B0609020204030204" pitchFamily="49" charset="0"/>
+              </a:rPr>
+              <a:t>    </a:t>
+            </a:r>
+            <a:r>
+              <a:rPr lang="en-US" sz="1100" dirty="0">
+                <a:solidFill>
+                  <a:srgbClr val="569CD6"/>
+                </a:solidFill>
+                <a:latin typeface="Consolas" panose="020B0609020204030204" pitchFamily="49" charset="0"/>
+              </a:rPr>
+              <a:t>protected</a:t>
+            </a:r>
+            <a:r>
+              <a:rPr lang="en-US" sz="1100" dirty="0">
+                <a:solidFill>
+                  <a:srgbClr val="D4D4D4"/>
+                </a:solidFill>
+                <a:latin typeface="Consolas" panose="020B0609020204030204" pitchFamily="49" charset="0"/>
+              </a:rPr>
+              <a:t> </a:t>
+            </a:r>
+            <a:r>
+              <a:rPr lang="en-US" sz="1100" dirty="0">
+                <a:solidFill>
+                  <a:srgbClr val="569CD6"/>
+                </a:solidFill>
+                <a:latin typeface="Consolas" panose="020B0609020204030204" pitchFamily="49" charset="0"/>
+              </a:rPr>
+              <a:t>abstract</a:t>
+            </a:r>
+            <a:r>
+              <a:rPr lang="en-US" sz="1100" dirty="0">
+                <a:solidFill>
+                  <a:srgbClr val="D4D4D4"/>
+                </a:solidFill>
+                <a:latin typeface="Consolas" panose="020B0609020204030204" pitchFamily="49" charset="0"/>
+              </a:rPr>
+              <a:t> </a:t>
+            </a:r>
+            <a:r>
+              <a:rPr lang="en-US" sz="1100" dirty="0">
+                <a:solidFill>
+                  <a:srgbClr val="569CD6"/>
+                </a:solidFill>
+                <a:latin typeface="Consolas" panose="020B0609020204030204" pitchFamily="49" charset="0"/>
+              </a:rPr>
+              <a:t>decimal</a:t>
+            </a:r>
+            <a:r>
+              <a:rPr lang="en-US" sz="1100" dirty="0">
+                <a:solidFill>
+                  <a:srgbClr val="D4D4D4"/>
+                </a:solidFill>
+                <a:latin typeface="Consolas" panose="020B0609020204030204" pitchFamily="49" charset="0"/>
+              </a:rPr>
+              <a:t> Tenure {</a:t>
+            </a:r>
+            <a:r>
+              <a:rPr lang="en-US" sz="1100" dirty="0">
+                <a:solidFill>
+                  <a:srgbClr val="569CD6"/>
+                </a:solidFill>
+                <a:latin typeface="Consolas" panose="020B0609020204030204" pitchFamily="49" charset="0"/>
+              </a:rPr>
+              <a:t>get</a:t>
+            </a:r>
+            <a:r>
+              <a:rPr lang="en-US" sz="1100" dirty="0">
+                <a:solidFill>
+                  <a:srgbClr val="D4D4D4"/>
+                </a:solidFill>
+                <a:latin typeface="Consolas" panose="020B0609020204030204" pitchFamily="49" charset="0"/>
+              </a:rPr>
+              <a:t>;}</a:t>
+            </a:r>
+          </a:p>
+          <a:p>
+            <a:r>
+              <a:rPr lang="en-US" sz="1100" dirty="0">
+                <a:solidFill>
+                  <a:srgbClr val="D4D4D4"/>
+                </a:solidFill>
+                <a:latin typeface="Consolas" panose="020B0609020204030204" pitchFamily="49" charset="0"/>
+              </a:rPr>
+              <a:t>    </a:t>
+            </a:r>
+            <a:r>
+              <a:rPr lang="en-US" sz="1100" dirty="0">
+                <a:solidFill>
+                  <a:srgbClr val="569CD6"/>
+                </a:solidFill>
+                <a:latin typeface="Consolas" panose="020B0609020204030204" pitchFamily="49" charset="0"/>
+              </a:rPr>
+              <a:t>protected</a:t>
+            </a:r>
+            <a:r>
+              <a:rPr lang="en-US" sz="1100" dirty="0">
+                <a:solidFill>
+                  <a:srgbClr val="D4D4D4"/>
+                </a:solidFill>
+                <a:latin typeface="Consolas" panose="020B0609020204030204" pitchFamily="49" charset="0"/>
+              </a:rPr>
+              <a:t> </a:t>
+            </a:r>
+            <a:r>
+              <a:rPr lang="en-US" sz="1100" dirty="0">
+                <a:solidFill>
+                  <a:srgbClr val="569CD6"/>
+                </a:solidFill>
+                <a:latin typeface="Consolas" panose="020B0609020204030204" pitchFamily="49" charset="0"/>
+              </a:rPr>
+              <a:t>abstract</a:t>
+            </a:r>
+            <a:r>
+              <a:rPr lang="en-US" sz="1100" dirty="0">
+                <a:solidFill>
+                  <a:srgbClr val="D4D4D4"/>
+                </a:solidFill>
+                <a:latin typeface="Consolas" panose="020B0609020204030204" pitchFamily="49" charset="0"/>
+              </a:rPr>
+              <a:t> </a:t>
+            </a:r>
+            <a:r>
+              <a:rPr lang="en-US" sz="1100" dirty="0">
+                <a:solidFill>
+                  <a:srgbClr val="569CD6"/>
+                </a:solidFill>
+                <a:latin typeface="Consolas" panose="020B0609020204030204" pitchFamily="49" charset="0"/>
+              </a:rPr>
+              <a:t>string</a:t>
+            </a:r>
+            <a:r>
+              <a:rPr lang="en-US" sz="1100" dirty="0">
+                <a:solidFill>
+                  <a:srgbClr val="D4D4D4"/>
+                </a:solidFill>
+                <a:latin typeface="Consolas" panose="020B0609020204030204" pitchFamily="49" charset="0"/>
+              </a:rPr>
+              <a:t> Name {</a:t>
+            </a:r>
+            <a:r>
+              <a:rPr lang="en-US" sz="1100" dirty="0">
+                <a:solidFill>
+                  <a:srgbClr val="569CD6"/>
+                </a:solidFill>
+                <a:latin typeface="Consolas" panose="020B0609020204030204" pitchFamily="49" charset="0"/>
+              </a:rPr>
+              <a:t>get</a:t>
+            </a:r>
+            <a:r>
+              <a:rPr lang="en-US" sz="1100" dirty="0">
+                <a:solidFill>
+                  <a:srgbClr val="D4D4D4"/>
+                </a:solidFill>
+                <a:latin typeface="Consolas" panose="020B0609020204030204" pitchFamily="49" charset="0"/>
+              </a:rPr>
+              <a:t>;}</a:t>
+            </a:r>
+          </a:p>
+          <a:p>
+            <a:br>
+              <a:rPr lang="en-US" sz="1100" dirty="0">
+                <a:solidFill>
+                  <a:srgbClr val="D4D4D4"/>
+                </a:solidFill>
+                <a:latin typeface="Consolas" panose="020B0609020204030204" pitchFamily="49" charset="0"/>
+              </a:rPr>
+            </a:br>
+            <a:r>
+              <a:rPr lang="en-US" sz="1100" dirty="0">
+                <a:solidFill>
+                  <a:srgbClr val="D4D4D4"/>
+                </a:solidFill>
+                <a:latin typeface="Consolas" panose="020B0609020204030204" pitchFamily="49" charset="0"/>
+              </a:rPr>
+              <a:t>    </a:t>
+            </a:r>
+            <a:r>
+              <a:rPr lang="en-US" sz="1100" dirty="0">
+                <a:solidFill>
+                  <a:srgbClr val="569CD6"/>
+                </a:solidFill>
+                <a:latin typeface="Consolas" panose="020B0609020204030204" pitchFamily="49" charset="0"/>
+              </a:rPr>
+              <a:t>public</a:t>
+            </a:r>
+            <a:r>
+              <a:rPr lang="en-US" sz="1100" dirty="0">
+                <a:solidFill>
+                  <a:srgbClr val="D4D4D4"/>
+                </a:solidFill>
+                <a:latin typeface="Consolas" panose="020B0609020204030204" pitchFamily="49" charset="0"/>
+              </a:rPr>
+              <a:t> </a:t>
+            </a:r>
+            <a:r>
+              <a:rPr lang="en-US" sz="1100" dirty="0">
+                <a:solidFill>
+                  <a:srgbClr val="569CD6"/>
+                </a:solidFill>
+                <a:latin typeface="Consolas" panose="020B0609020204030204" pitchFamily="49" charset="0"/>
+              </a:rPr>
+              <a:t>override</a:t>
+            </a:r>
+            <a:r>
+              <a:rPr lang="en-US" sz="1100" dirty="0">
+                <a:solidFill>
+                  <a:srgbClr val="D4D4D4"/>
+                </a:solidFill>
+                <a:latin typeface="Consolas" panose="020B0609020204030204" pitchFamily="49" charset="0"/>
+              </a:rPr>
+              <a:t> </a:t>
+            </a:r>
+            <a:r>
+              <a:rPr lang="en-US" sz="1100" dirty="0">
+                <a:solidFill>
+                  <a:srgbClr val="569CD6"/>
+                </a:solidFill>
+                <a:latin typeface="Consolas" panose="020B0609020204030204" pitchFamily="49" charset="0"/>
+              </a:rPr>
+              <a:t>string</a:t>
+            </a:r>
+            <a:r>
+              <a:rPr lang="en-US" sz="1100" dirty="0">
+                <a:solidFill>
+                  <a:srgbClr val="D4D4D4"/>
+                </a:solidFill>
+                <a:latin typeface="Consolas" panose="020B0609020204030204" pitchFamily="49" charset="0"/>
+              </a:rPr>
+              <a:t> </a:t>
+            </a:r>
+            <a:r>
+              <a:rPr lang="en-US" sz="1100" dirty="0" err="1">
+                <a:solidFill>
+                  <a:srgbClr val="D4D4D4"/>
+                </a:solidFill>
+                <a:latin typeface="Consolas" panose="020B0609020204030204" pitchFamily="49" charset="0"/>
+              </a:rPr>
+              <a:t>ToString</a:t>
+            </a:r>
+            <a:r>
+              <a:rPr lang="en-US" sz="1100" dirty="0">
+                <a:solidFill>
+                  <a:srgbClr val="D4D4D4"/>
+                </a:solidFill>
+                <a:latin typeface="Consolas" panose="020B0609020204030204" pitchFamily="49" charset="0"/>
+              </a:rPr>
+              <a:t>()</a:t>
+            </a:r>
+          </a:p>
+          <a:p>
+            <a:r>
+              <a:rPr lang="en-US" sz="1100" dirty="0">
+                <a:solidFill>
+                  <a:srgbClr val="D4D4D4"/>
+                </a:solidFill>
+                <a:latin typeface="Consolas" panose="020B0609020204030204" pitchFamily="49" charset="0"/>
+              </a:rPr>
+              <a:t>    {</a:t>
+            </a:r>
+          </a:p>
+          <a:p>
+            <a:r>
+              <a:rPr lang="en-US" sz="1100" dirty="0">
+                <a:solidFill>
+                  <a:srgbClr val="D4D4D4"/>
+                </a:solidFill>
+                <a:latin typeface="Consolas" panose="020B0609020204030204" pitchFamily="49" charset="0"/>
+              </a:rPr>
+              <a:t>        </a:t>
+            </a:r>
+            <a:r>
+              <a:rPr lang="en-US" sz="1100" dirty="0">
+                <a:solidFill>
+                  <a:srgbClr val="569CD6"/>
+                </a:solidFill>
+                <a:latin typeface="Consolas" panose="020B0609020204030204" pitchFamily="49" charset="0"/>
+              </a:rPr>
+              <a:t>return</a:t>
+            </a:r>
+            <a:r>
+              <a:rPr lang="en-US" sz="1100" dirty="0">
+                <a:solidFill>
+                  <a:srgbClr val="D4D4D4"/>
+                </a:solidFill>
+                <a:latin typeface="Consolas" panose="020B0609020204030204" pitchFamily="49" charset="0"/>
+              </a:rPr>
+              <a:t> </a:t>
+            </a:r>
+            <a:r>
+              <a:rPr lang="en-US" sz="1100" dirty="0">
+                <a:solidFill>
+                  <a:srgbClr val="CE9178"/>
+                </a:solidFill>
+                <a:latin typeface="Consolas" panose="020B0609020204030204" pitchFamily="49" charset="0"/>
+              </a:rPr>
+              <a:t>$"My name is {Name}. I have been at Sage {Tenure} years."</a:t>
+            </a:r>
+            <a:r>
+              <a:rPr lang="en-US" sz="1100" dirty="0">
+                <a:solidFill>
+                  <a:srgbClr val="D4D4D4"/>
+                </a:solidFill>
+                <a:latin typeface="Consolas" panose="020B0609020204030204" pitchFamily="49" charset="0"/>
+              </a:rPr>
+              <a:t>;</a:t>
+            </a:r>
+          </a:p>
+          <a:p>
+            <a:r>
+              <a:rPr lang="en-US" sz="1100" dirty="0">
+                <a:solidFill>
+                  <a:srgbClr val="D4D4D4"/>
+                </a:solidFill>
+                <a:latin typeface="Consolas" panose="020B0609020204030204" pitchFamily="49" charset="0"/>
+              </a:rPr>
+              <a:t>    }</a:t>
+            </a:r>
+          </a:p>
+          <a:p>
+            <a:r>
+              <a:rPr lang="en-US" sz="1100" dirty="0">
+                <a:solidFill>
+                  <a:srgbClr val="D4D4D4"/>
+                </a:solidFill>
+                <a:latin typeface="Consolas" panose="020B0609020204030204" pitchFamily="49" charset="0"/>
+              </a:rPr>
+              <a:t>}</a:t>
+            </a:r>
+          </a:p>
+          <a:p>
+            <a:br>
+              <a:rPr lang="en-US" sz="1100" dirty="0">
+                <a:solidFill>
+                  <a:srgbClr val="D4D4D4"/>
+                </a:solidFill>
+                <a:latin typeface="Consolas" panose="020B0609020204030204" pitchFamily="49" charset="0"/>
+              </a:rPr>
+            </a:br>
+            <a:r>
+              <a:rPr lang="en-US" sz="1100" dirty="0">
+                <a:solidFill>
+                  <a:srgbClr val="569CD6"/>
+                </a:solidFill>
+                <a:latin typeface="Consolas" panose="020B0609020204030204" pitchFamily="49" charset="0"/>
+              </a:rPr>
+              <a:t>public</a:t>
+            </a:r>
+            <a:r>
+              <a:rPr lang="en-US" sz="1100" dirty="0">
+                <a:solidFill>
+                  <a:srgbClr val="D4D4D4"/>
+                </a:solidFill>
+                <a:latin typeface="Consolas" panose="020B0609020204030204" pitchFamily="49" charset="0"/>
+              </a:rPr>
+              <a:t> </a:t>
+            </a:r>
+            <a:r>
+              <a:rPr lang="en-US" sz="1100" dirty="0">
+                <a:solidFill>
+                  <a:srgbClr val="569CD6"/>
+                </a:solidFill>
+                <a:latin typeface="Consolas" panose="020B0609020204030204" pitchFamily="49" charset="0"/>
+              </a:rPr>
+              <a:t>class</a:t>
+            </a:r>
+            <a:r>
+              <a:rPr lang="en-US" sz="1100" dirty="0">
+                <a:solidFill>
+                  <a:srgbClr val="D4D4D4"/>
+                </a:solidFill>
+                <a:latin typeface="Consolas" panose="020B0609020204030204" pitchFamily="49" charset="0"/>
+              </a:rPr>
+              <a:t> John : </a:t>
+            </a:r>
+            <a:r>
+              <a:rPr lang="en-US" sz="1100" dirty="0">
+                <a:solidFill>
+                  <a:srgbClr val="569CD6"/>
+                </a:solidFill>
+                <a:latin typeface="Consolas" panose="020B0609020204030204" pitchFamily="49" charset="0"/>
+              </a:rPr>
+              <a:t>Person</a:t>
+            </a:r>
+            <a:endParaRPr lang="en-US" sz="1100" dirty="0">
+              <a:solidFill>
+                <a:srgbClr val="D4D4D4"/>
+              </a:solidFill>
+              <a:latin typeface="Consolas" panose="020B0609020204030204" pitchFamily="49" charset="0"/>
+            </a:endParaRPr>
+          </a:p>
+          <a:p>
+            <a:r>
+              <a:rPr lang="en-US" sz="1100" dirty="0">
+                <a:solidFill>
+                  <a:srgbClr val="D4D4D4"/>
+                </a:solidFill>
+                <a:latin typeface="Consolas" panose="020B0609020204030204" pitchFamily="49" charset="0"/>
+              </a:rPr>
+              <a:t>{</a:t>
+            </a:r>
+          </a:p>
+          <a:p>
+            <a:r>
+              <a:rPr lang="en-US" sz="1100" dirty="0">
+                <a:solidFill>
+                  <a:srgbClr val="D4D4D4"/>
+                </a:solidFill>
+                <a:latin typeface="Consolas" panose="020B0609020204030204" pitchFamily="49" charset="0"/>
+              </a:rPr>
+              <a:t>    </a:t>
+            </a:r>
+            <a:r>
+              <a:rPr lang="en-US" sz="1100" dirty="0">
+                <a:solidFill>
+                  <a:srgbClr val="569CD6"/>
+                </a:solidFill>
+                <a:latin typeface="Consolas" panose="020B0609020204030204" pitchFamily="49" charset="0"/>
+              </a:rPr>
+              <a:t>public</a:t>
+            </a:r>
+            <a:r>
+              <a:rPr lang="en-US" sz="1100" dirty="0">
+                <a:solidFill>
+                  <a:srgbClr val="D4D4D4"/>
+                </a:solidFill>
+                <a:latin typeface="Consolas" panose="020B0609020204030204" pitchFamily="49" charset="0"/>
+              </a:rPr>
+              <a:t> John(</a:t>
+            </a:r>
+            <a:r>
+              <a:rPr lang="en-US" sz="1100" dirty="0">
+                <a:solidFill>
+                  <a:srgbClr val="569CD6"/>
+                </a:solidFill>
+                <a:latin typeface="Consolas" panose="020B0609020204030204" pitchFamily="49" charset="0"/>
+              </a:rPr>
+              <a:t>string</a:t>
+            </a:r>
+            <a:r>
+              <a:rPr lang="en-US" sz="1100" dirty="0">
+                <a:solidFill>
+                  <a:srgbClr val="D4D4D4"/>
+                </a:solidFill>
+                <a:latin typeface="Consolas" panose="020B0609020204030204" pitchFamily="49" charset="0"/>
+              </a:rPr>
+              <a:t> name, </a:t>
+            </a:r>
+            <a:r>
+              <a:rPr lang="en-US" sz="1100" dirty="0">
+                <a:solidFill>
+                  <a:srgbClr val="569CD6"/>
+                </a:solidFill>
+                <a:latin typeface="Consolas" panose="020B0609020204030204" pitchFamily="49" charset="0"/>
+              </a:rPr>
+              <a:t>decimal</a:t>
+            </a:r>
+            <a:r>
+              <a:rPr lang="en-US" sz="1100" dirty="0">
+                <a:solidFill>
+                  <a:srgbClr val="D4D4D4"/>
+                </a:solidFill>
+                <a:latin typeface="Consolas" panose="020B0609020204030204" pitchFamily="49" charset="0"/>
+              </a:rPr>
+              <a:t> tenure, </a:t>
+            </a:r>
+            <a:r>
+              <a:rPr lang="en-US" sz="1100" dirty="0">
+                <a:solidFill>
+                  <a:srgbClr val="569CD6"/>
+                </a:solidFill>
+                <a:latin typeface="Consolas" panose="020B0609020204030204" pitchFamily="49" charset="0"/>
+              </a:rPr>
+              <a:t>int</a:t>
+            </a:r>
+            <a:r>
+              <a:rPr lang="en-US" sz="1100" dirty="0">
+                <a:solidFill>
+                  <a:srgbClr val="D4D4D4"/>
+                </a:solidFill>
+                <a:latin typeface="Consolas" panose="020B0609020204030204" pitchFamily="49" charset="0"/>
+              </a:rPr>
+              <a:t> age)</a:t>
+            </a:r>
+          </a:p>
+          <a:p>
+            <a:r>
+              <a:rPr lang="en-US" sz="1100" dirty="0">
+                <a:solidFill>
+                  <a:srgbClr val="D4D4D4"/>
+                </a:solidFill>
+                <a:latin typeface="Consolas" panose="020B0609020204030204" pitchFamily="49" charset="0"/>
+              </a:rPr>
+              <a:t>        : </a:t>
+            </a:r>
+            <a:r>
+              <a:rPr lang="en-US" sz="1100" dirty="0">
+                <a:solidFill>
+                  <a:srgbClr val="569CD6"/>
+                </a:solidFill>
+                <a:latin typeface="Consolas" panose="020B0609020204030204" pitchFamily="49" charset="0"/>
+              </a:rPr>
+              <a:t>base</a:t>
+            </a:r>
+            <a:r>
+              <a:rPr lang="en-US" sz="1100" dirty="0">
+                <a:solidFill>
+                  <a:srgbClr val="D4D4D4"/>
+                </a:solidFill>
+                <a:latin typeface="Consolas" panose="020B0609020204030204" pitchFamily="49" charset="0"/>
+              </a:rPr>
+              <a:t>(name, tenure)</a:t>
+            </a:r>
+          </a:p>
+          <a:p>
+            <a:r>
+              <a:rPr lang="en-US" sz="1100" dirty="0">
+                <a:solidFill>
+                  <a:srgbClr val="D4D4D4"/>
+                </a:solidFill>
+                <a:latin typeface="Consolas" panose="020B0609020204030204" pitchFamily="49" charset="0"/>
+              </a:rPr>
+              <a:t>    {</a:t>
+            </a:r>
+          </a:p>
+          <a:p>
+            <a:r>
+              <a:rPr lang="en-US" sz="1100" dirty="0">
+                <a:solidFill>
+                  <a:srgbClr val="D4D4D4"/>
+                </a:solidFill>
+                <a:latin typeface="Consolas" panose="020B0609020204030204" pitchFamily="49" charset="0"/>
+              </a:rPr>
+              <a:t>        Age = age;</a:t>
+            </a:r>
+          </a:p>
+          <a:p>
+            <a:r>
+              <a:rPr lang="en-US" sz="1100" dirty="0">
+                <a:solidFill>
+                  <a:srgbClr val="D4D4D4"/>
+                </a:solidFill>
+                <a:latin typeface="Consolas" panose="020B0609020204030204" pitchFamily="49" charset="0"/>
+              </a:rPr>
+              <a:t>    }</a:t>
+            </a:r>
+          </a:p>
+          <a:p>
+            <a:r>
+              <a:rPr lang="en-US" sz="1100" dirty="0">
+                <a:solidFill>
+                  <a:srgbClr val="D4D4D4"/>
+                </a:solidFill>
+                <a:latin typeface="Consolas" panose="020B0609020204030204" pitchFamily="49" charset="0"/>
+              </a:rPr>
+              <a:t>    </a:t>
+            </a:r>
+            <a:r>
+              <a:rPr lang="en-US" sz="1100" dirty="0">
+                <a:solidFill>
+                  <a:srgbClr val="569CD6"/>
+                </a:solidFill>
+                <a:latin typeface="Consolas" panose="020B0609020204030204" pitchFamily="49" charset="0"/>
+              </a:rPr>
+              <a:t>private</a:t>
+            </a:r>
+            <a:r>
+              <a:rPr lang="en-US" sz="1100" dirty="0">
+                <a:solidFill>
+                  <a:srgbClr val="D4D4D4"/>
+                </a:solidFill>
+                <a:latin typeface="Consolas" panose="020B0609020204030204" pitchFamily="49" charset="0"/>
+              </a:rPr>
+              <a:t> </a:t>
+            </a:r>
+            <a:r>
+              <a:rPr lang="en-US" sz="1100" dirty="0">
+                <a:solidFill>
+                  <a:srgbClr val="569CD6"/>
+                </a:solidFill>
+                <a:latin typeface="Consolas" panose="020B0609020204030204" pitchFamily="49" charset="0"/>
+              </a:rPr>
+              <a:t>int</a:t>
+            </a:r>
+            <a:r>
+              <a:rPr lang="en-US" sz="1100" dirty="0">
+                <a:solidFill>
+                  <a:srgbClr val="D4D4D4"/>
+                </a:solidFill>
+                <a:latin typeface="Consolas" panose="020B0609020204030204" pitchFamily="49" charset="0"/>
+              </a:rPr>
+              <a:t> Age { </a:t>
+            </a:r>
+            <a:r>
+              <a:rPr lang="en-US" sz="1100" dirty="0">
+                <a:solidFill>
+                  <a:srgbClr val="569CD6"/>
+                </a:solidFill>
+                <a:latin typeface="Consolas" panose="020B0609020204030204" pitchFamily="49" charset="0"/>
+              </a:rPr>
+              <a:t>get</a:t>
+            </a:r>
+            <a:r>
+              <a:rPr lang="en-US" sz="1100" dirty="0">
+                <a:solidFill>
+                  <a:srgbClr val="D4D4D4"/>
+                </a:solidFill>
+                <a:latin typeface="Consolas" panose="020B0609020204030204" pitchFamily="49" charset="0"/>
+              </a:rPr>
+              <a:t>; }</a:t>
+            </a:r>
+          </a:p>
+          <a:p>
+            <a:r>
+              <a:rPr lang="en-US" sz="1100" dirty="0">
+                <a:solidFill>
+                  <a:srgbClr val="D4D4D4"/>
+                </a:solidFill>
+                <a:latin typeface="Consolas" panose="020B0609020204030204" pitchFamily="49" charset="0"/>
+              </a:rPr>
+              <a:t>    </a:t>
+            </a:r>
+            <a:r>
+              <a:rPr lang="en-US" sz="1100" dirty="0">
+                <a:solidFill>
+                  <a:srgbClr val="569CD6"/>
+                </a:solidFill>
+                <a:latin typeface="Consolas" panose="020B0609020204030204" pitchFamily="49" charset="0"/>
+              </a:rPr>
+              <a:t>protected</a:t>
+            </a:r>
+            <a:r>
+              <a:rPr lang="en-US" sz="1100" dirty="0">
+                <a:solidFill>
+                  <a:srgbClr val="D4D4D4"/>
+                </a:solidFill>
+                <a:latin typeface="Consolas" panose="020B0609020204030204" pitchFamily="49" charset="0"/>
+              </a:rPr>
+              <a:t> </a:t>
+            </a:r>
+            <a:r>
+              <a:rPr lang="en-US" sz="1100" dirty="0">
+                <a:solidFill>
+                  <a:srgbClr val="569CD6"/>
+                </a:solidFill>
+                <a:latin typeface="Consolas" panose="020B0609020204030204" pitchFamily="49" charset="0"/>
+              </a:rPr>
+              <a:t>override</a:t>
+            </a:r>
+            <a:r>
+              <a:rPr lang="en-US" sz="1100" dirty="0">
+                <a:solidFill>
+                  <a:srgbClr val="D4D4D4"/>
+                </a:solidFill>
+                <a:latin typeface="Consolas" panose="020B0609020204030204" pitchFamily="49" charset="0"/>
+              </a:rPr>
+              <a:t> </a:t>
+            </a:r>
+            <a:r>
+              <a:rPr lang="en-US" sz="1100" dirty="0">
+                <a:solidFill>
+                  <a:srgbClr val="569CD6"/>
+                </a:solidFill>
+                <a:latin typeface="Consolas" panose="020B0609020204030204" pitchFamily="49" charset="0"/>
+              </a:rPr>
+              <a:t>string</a:t>
+            </a:r>
+            <a:r>
+              <a:rPr lang="en-US" sz="1100" dirty="0">
+                <a:solidFill>
+                  <a:srgbClr val="D4D4D4"/>
+                </a:solidFill>
+                <a:latin typeface="Consolas" panose="020B0609020204030204" pitchFamily="49" charset="0"/>
+              </a:rPr>
+              <a:t> Name  { </a:t>
+            </a:r>
+            <a:r>
+              <a:rPr lang="en-US" sz="1100" dirty="0">
+                <a:solidFill>
+                  <a:srgbClr val="569CD6"/>
+                </a:solidFill>
+                <a:latin typeface="Consolas" panose="020B0609020204030204" pitchFamily="49" charset="0"/>
+              </a:rPr>
+              <a:t>get</a:t>
+            </a:r>
+            <a:r>
+              <a:rPr lang="en-US" sz="1100" dirty="0">
+                <a:solidFill>
+                  <a:srgbClr val="D4D4D4"/>
+                </a:solidFill>
+                <a:latin typeface="Consolas" panose="020B0609020204030204" pitchFamily="49" charset="0"/>
+              </a:rPr>
+              <a:t>; }</a:t>
+            </a:r>
+          </a:p>
+          <a:p>
+            <a:r>
+              <a:rPr lang="en-US" sz="1100" dirty="0">
+                <a:solidFill>
+                  <a:srgbClr val="D4D4D4"/>
+                </a:solidFill>
+                <a:latin typeface="Consolas" panose="020B0609020204030204" pitchFamily="49" charset="0"/>
+              </a:rPr>
+              <a:t>    </a:t>
+            </a:r>
+            <a:r>
+              <a:rPr lang="en-US" sz="1100" dirty="0">
+                <a:solidFill>
+                  <a:srgbClr val="569CD6"/>
+                </a:solidFill>
+                <a:latin typeface="Consolas" panose="020B0609020204030204" pitchFamily="49" charset="0"/>
+              </a:rPr>
+              <a:t>protected</a:t>
+            </a:r>
+            <a:r>
+              <a:rPr lang="en-US" sz="1100" dirty="0">
+                <a:solidFill>
+                  <a:srgbClr val="D4D4D4"/>
+                </a:solidFill>
+                <a:latin typeface="Consolas" panose="020B0609020204030204" pitchFamily="49" charset="0"/>
+              </a:rPr>
+              <a:t> </a:t>
+            </a:r>
+            <a:r>
+              <a:rPr lang="en-US" sz="1100" dirty="0">
+                <a:solidFill>
+                  <a:srgbClr val="569CD6"/>
+                </a:solidFill>
+                <a:latin typeface="Consolas" panose="020B0609020204030204" pitchFamily="49" charset="0"/>
+              </a:rPr>
+              <a:t>override</a:t>
+            </a:r>
+            <a:r>
+              <a:rPr lang="en-US" sz="1100" dirty="0">
+                <a:solidFill>
+                  <a:srgbClr val="D4D4D4"/>
+                </a:solidFill>
+                <a:latin typeface="Consolas" panose="020B0609020204030204" pitchFamily="49" charset="0"/>
+              </a:rPr>
+              <a:t> </a:t>
+            </a:r>
+            <a:r>
+              <a:rPr lang="en-US" sz="1100" dirty="0">
+                <a:solidFill>
+                  <a:srgbClr val="569CD6"/>
+                </a:solidFill>
+                <a:latin typeface="Consolas" panose="020B0609020204030204" pitchFamily="49" charset="0"/>
+              </a:rPr>
+              <a:t>decimal</a:t>
+            </a:r>
+            <a:r>
+              <a:rPr lang="en-US" sz="1100" dirty="0">
+                <a:solidFill>
+                  <a:srgbClr val="D4D4D4"/>
+                </a:solidFill>
+                <a:latin typeface="Consolas" panose="020B0609020204030204" pitchFamily="49" charset="0"/>
+              </a:rPr>
+              <a:t> Tenure  { </a:t>
+            </a:r>
+            <a:r>
+              <a:rPr lang="en-US" sz="1100" dirty="0">
+                <a:solidFill>
+                  <a:srgbClr val="569CD6"/>
+                </a:solidFill>
+                <a:latin typeface="Consolas" panose="020B0609020204030204" pitchFamily="49" charset="0"/>
+              </a:rPr>
+              <a:t>get</a:t>
+            </a:r>
+            <a:r>
+              <a:rPr lang="en-US" sz="1100" dirty="0">
+                <a:solidFill>
+                  <a:srgbClr val="D4D4D4"/>
+                </a:solidFill>
+                <a:latin typeface="Consolas" panose="020B0609020204030204" pitchFamily="49" charset="0"/>
+              </a:rPr>
+              <a:t>; }</a:t>
+            </a:r>
+          </a:p>
+          <a:p>
+            <a:br>
+              <a:rPr lang="en-US" sz="1100" dirty="0">
+                <a:solidFill>
+                  <a:srgbClr val="D4D4D4"/>
+                </a:solidFill>
+                <a:latin typeface="Consolas" panose="020B0609020204030204" pitchFamily="49" charset="0"/>
+              </a:rPr>
+            </a:br>
+            <a:r>
+              <a:rPr lang="en-US" sz="1100" dirty="0">
+                <a:solidFill>
+                  <a:srgbClr val="D4D4D4"/>
+                </a:solidFill>
+                <a:latin typeface="Consolas" panose="020B0609020204030204" pitchFamily="49" charset="0"/>
+              </a:rPr>
+              <a:t>    </a:t>
+            </a:r>
+            <a:r>
+              <a:rPr lang="en-US" sz="1100" dirty="0">
+                <a:solidFill>
+                  <a:srgbClr val="569CD6"/>
+                </a:solidFill>
+                <a:latin typeface="Consolas" panose="020B0609020204030204" pitchFamily="49" charset="0"/>
+              </a:rPr>
+              <a:t>public</a:t>
+            </a:r>
+            <a:r>
+              <a:rPr lang="en-US" sz="1100" dirty="0">
+                <a:solidFill>
+                  <a:srgbClr val="D4D4D4"/>
+                </a:solidFill>
+                <a:latin typeface="Consolas" panose="020B0609020204030204" pitchFamily="49" charset="0"/>
+              </a:rPr>
+              <a:t> </a:t>
+            </a:r>
+            <a:r>
+              <a:rPr lang="en-US" sz="1100" dirty="0">
+                <a:solidFill>
+                  <a:srgbClr val="569CD6"/>
+                </a:solidFill>
+                <a:latin typeface="Consolas" panose="020B0609020204030204" pitchFamily="49" charset="0"/>
+              </a:rPr>
+              <a:t>override</a:t>
+            </a:r>
+            <a:r>
+              <a:rPr lang="en-US" sz="1100" dirty="0">
+                <a:solidFill>
+                  <a:srgbClr val="D4D4D4"/>
+                </a:solidFill>
+                <a:latin typeface="Consolas" panose="020B0609020204030204" pitchFamily="49" charset="0"/>
+              </a:rPr>
+              <a:t> </a:t>
+            </a:r>
+            <a:r>
+              <a:rPr lang="en-US" sz="1100" dirty="0">
+                <a:solidFill>
+                  <a:srgbClr val="569CD6"/>
+                </a:solidFill>
+                <a:latin typeface="Consolas" panose="020B0609020204030204" pitchFamily="49" charset="0"/>
+              </a:rPr>
+              <a:t>string</a:t>
+            </a:r>
+            <a:r>
+              <a:rPr lang="en-US" sz="1100" dirty="0">
+                <a:solidFill>
+                  <a:srgbClr val="D4D4D4"/>
+                </a:solidFill>
+                <a:latin typeface="Consolas" panose="020B0609020204030204" pitchFamily="49" charset="0"/>
+              </a:rPr>
+              <a:t> </a:t>
+            </a:r>
+            <a:r>
+              <a:rPr lang="en-US" sz="1100" dirty="0" err="1">
+                <a:solidFill>
+                  <a:srgbClr val="D4D4D4"/>
+                </a:solidFill>
+                <a:latin typeface="Consolas" panose="020B0609020204030204" pitchFamily="49" charset="0"/>
+              </a:rPr>
+              <a:t>ToString</a:t>
+            </a:r>
+            <a:r>
+              <a:rPr lang="en-US" sz="1100" dirty="0">
+                <a:solidFill>
+                  <a:srgbClr val="D4D4D4"/>
+                </a:solidFill>
+                <a:latin typeface="Consolas" panose="020B0609020204030204" pitchFamily="49" charset="0"/>
+              </a:rPr>
+              <a:t>()</a:t>
+            </a:r>
+          </a:p>
+          <a:p>
+            <a:r>
+              <a:rPr lang="en-US" sz="1100" dirty="0">
+                <a:solidFill>
+                  <a:srgbClr val="D4D4D4"/>
+                </a:solidFill>
+                <a:latin typeface="Consolas" panose="020B0609020204030204" pitchFamily="49" charset="0"/>
+              </a:rPr>
+              <a:t>    {</a:t>
+            </a:r>
+          </a:p>
+          <a:p>
+            <a:r>
+              <a:rPr lang="en-US" sz="1100" dirty="0">
+                <a:solidFill>
+                  <a:srgbClr val="D4D4D4"/>
+                </a:solidFill>
+                <a:latin typeface="Consolas" panose="020B0609020204030204" pitchFamily="49" charset="0"/>
+              </a:rPr>
+              <a:t>        </a:t>
+            </a:r>
+            <a:r>
+              <a:rPr lang="en-US" sz="1100" dirty="0">
+                <a:solidFill>
+                  <a:srgbClr val="569CD6"/>
+                </a:solidFill>
+                <a:latin typeface="Consolas" panose="020B0609020204030204" pitchFamily="49" charset="0"/>
+              </a:rPr>
+              <a:t>return</a:t>
+            </a:r>
+            <a:r>
+              <a:rPr lang="en-US" sz="1100" dirty="0">
+                <a:solidFill>
+                  <a:srgbClr val="D4D4D4"/>
+                </a:solidFill>
+                <a:latin typeface="Consolas" panose="020B0609020204030204" pitchFamily="49" charset="0"/>
+              </a:rPr>
+              <a:t> </a:t>
+            </a:r>
+            <a:r>
+              <a:rPr lang="en-US" sz="1100" dirty="0" err="1">
+                <a:solidFill>
+                  <a:srgbClr val="569CD6"/>
+                </a:solidFill>
+                <a:latin typeface="Consolas" panose="020B0609020204030204" pitchFamily="49" charset="0"/>
+              </a:rPr>
+              <a:t>base</a:t>
+            </a:r>
+            <a:r>
+              <a:rPr lang="en-US" sz="1100" dirty="0" err="1">
+                <a:solidFill>
+                  <a:srgbClr val="D4D4D4"/>
+                </a:solidFill>
+                <a:latin typeface="Consolas" panose="020B0609020204030204" pitchFamily="49" charset="0"/>
+              </a:rPr>
+              <a:t>.ToString</a:t>
+            </a:r>
+            <a:r>
+              <a:rPr lang="en-US" sz="1100" dirty="0">
+                <a:solidFill>
+                  <a:srgbClr val="D4D4D4"/>
+                </a:solidFill>
+                <a:latin typeface="Consolas" panose="020B0609020204030204" pitchFamily="49" charset="0"/>
+              </a:rPr>
+              <a:t>() + </a:t>
+            </a:r>
+            <a:r>
+              <a:rPr lang="en-US" sz="1100" dirty="0">
+                <a:solidFill>
+                  <a:srgbClr val="CE9178"/>
+                </a:solidFill>
+                <a:latin typeface="Consolas" panose="020B0609020204030204" pitchFamily="49" charset="0"/>
+              </a:rPr>
+              <a:t>$" I am {age} years old."</a:t>
+            </a:r>
+            <a:r>
+              <a:rPr lang="en-US" sz="1100" dirty="0">
+                <a:solidFill>
+                  <a:srgbClr val="D4D4D4"/>
+                </a:solidFill>
+                <a:latin typeface="Consolas" panose="020B0609020204030204" pitchFamily="49" charset="0"/>
+              </a:rPr>
+              <a:t>;</a:t>
+            </a:r>
+          </a:p>
+          <a:p>
+            <a:r>
+              <a:rPr lang="en-US" sz="1100" dirty="0">
+                <a:solidFill>
+                  <a:srgbClr val="D4D4D4"/>
+                </a:solidFill>
+                <a:latin typeface="Consolas" panose="020B0609020204030204" pitchFamily="49" charset="0"/>
+              </a:rPr>
+              <a:t>    }</a:t>
+            </a:r>
+          </a:p>
+          <a:p>
+            <a:r>
+              <a:rPr lang="en-US" sz="1100" dirty="0">
+                <a:solidFill>
+                  <a:srgbClr val="D4D4D4"/>
+                </a:solidFill>
+                <a:latin typeface="Consolas" panose="020B0609020204030204" pitchFamily="49" charset="0"/>
+              </a:rPr>
+              <a:t>}</a:t>
+            </a:r>
+          </a:p>
+          <a:p>
+            <a:endParaRPr lang="en-US" sz="1100" dirty="0"/>
+          </a:p>
+        </p:txBody>
+      </p:sp>
+    </p:spTree>
+    <p:extLst>
+      <p:ext uri="{BB962C8B-B14F-4D97-AF65-F5344CB8AC3E}">
+        <p14:creationId xmlns:p14="http://schemas.microsoft.com/office/powerpoint/2010/main" val="4143287531"/>
+      </p:ext>
+    </p:extLst>
+  </p:cSld>
+  <p:clrMapOvr>
+    <a:masterClrMapping/>
+  </p:clrMapOvr>
+</p:sld>
+</file>
+
+<file path=ppt/slides/slide8.xml><?xml version="1.0" encoding="utf-8"?>
+<p:sld xmlns:a="http://schemas.openxmlformats.org/drawingml/2006/main" xmlns:r="http://schemas.openxmlformats.org/officeDocument/2006/relationships" xmlns:p="http://schemas.openxmlformats.org/presentationml/2006/main">
+  <p:cSld>
+    <p:spTree>
+      <p:nvGrpSpPr>
+        <p:cNvPr id="1" name=""/>
+        <p:cNvGrpSpPr/>
+        <p:nvPr/>
+      </p:nvGrpSpPr>
+      <p:grpSpPr>
+        <a:xfrm>
+          <a:off x="0" y="0"/>
+          <a:ext cx="0" cy="0"/>
+          <a:chOff x="0" y="0"/>
+          <a:chExt cx="0" cy="0"/>
+        </a:xfrm>
+      </p:grpSpPr>
+      <p:sp>
+        <p:nvSpPr>
+          <p:cNvPr id="2" name="Title 1">
+            <a:extLst>
+              <a:ext uri="{FF2B5EF4-FFF2-40B4-BE49-F238E27FC236}">
+                <a16:creationId xmlns:a16="http://schemas.microsoft.com/office/drawing/2014/main" id="{9A160989-EA2F-4E59-8C98-07BAB5ACE7E9}"/>
+              </a:ext>
+            </a:extLst>
+          </p:cNvPr>
+          <p:cNvSpPr>
+            <a:spLocks noGrp="1"/>
+          </p:cNvSpPr>
+          <p:nvPr>
+            <p:ph type="ctrTitle"/>
+          </p:nvPr>
+        </p:nvSpPr>
+        <p:spPr/>
+        <p:txBody>
+          <a:bodyPr/>
+          <a:lstStyle/>
+          <a:p>
+            <a:r>
+              <a:rPr lang="en-US" dirty="0"/>
+              <a:t>Polymorphism</a:t>
+            </a:r>
+          </a:p>
+        </p:txBody>
+      </p:sp>
+      <p:sp>
+        <p:nvSpPr>
+          <p:cNvPr id="3" name="Subtitle 2">
+            <a:extLst>
+              <a:ext uri="{FF2B5EF4-FFF2-40B4-BE49-F238E27FC236}">
+                <a16:creationId xmlns:a16="http://schemas.microsoft.com/office/drawing/2014/main" id="{32044049-8F5A-4670-A36C-16A554521CDB}"/>
+              </a:ext>
+            </a:extLst>
+          </p:cNvPr>
+          <p:cNvSpPr>
+            <a:spLocks noGrp="1"/>
+          </p:cNvSpPr>
+          <p:nvPr>
+            <p:ph type="subTitle" idx="1"/>
+          </p:nvPr>
+        </p:nvSpPr>
+        <p:spPr/>
+        <p:txBody>
+          <a:bodyPr/>
+          <a:lstStyle/>
+          <a:p>
+            <a:endParaRPr lang="en-US"/>
+          </a:p>
+        </p:txBody>
+      </p:sp>
+    </p:spTree>
+    <p:extLst>
+      <p:ext uri="{BB962C8B-B14F-4D97-AF65-F5344CB8AC3E}">
+        <p14:creationId xmlns:p14="http://schemas.microsoft.com/office/powerpoint/2010/main" val="17386841"/>
+      </p:ext>
+    </p:extLst>
+  </p:cSld>
+  <p:clrMapOvr>
+    <a:masterClrMapping/>
+  </p:clrMapOvr>
+</p:sld>
+</file>
+
+<file path=ppt/slides/slide9.xml><?xml version="1.0" encoding="utf-8"?>
+<p:sld xmlns:a="http://schemas.openxmlformats.org/drawingml/2006/main" xmlns:r="http://schemas.openxmlformats.org/officeDocument/2006/relationships" xmlns:p="http://schemas.openxmlformats.org/presentationml/2006/main">
+  <p:cSld>
+    <p:spTree>
+      <p:nvGrpSpPr>
+        <p:cNvPr id="1" name=""/>
+        <p:cNvGrpSpPr/>
+        <p:nvPr/>
+      </p:nvGrpSpPr>
+      <p:grpSpPr>
+        <a:xfrm>
+          <a:off x="0" y="0"/>
+          <a:ext cx="0" cy="0"/>
+          <a:chOff x="0" y="0"/>
+          <a:chExt cx="0" cy="0"/>
+        </a:xfrm>
+      </p:grpSpPr>
+      <p:sp>
+        <p:nvSpPr>
+          <p:cNvPr id="2" name="Title 1">
+            <a:extLst>
+              <a:ext uri="{FF2B5EF4-FFF2-40B4-BE49-F238E27FC236}">
+                <a16:creationId xmlns:a16="http://schemas.microsoft.com/office/drawing/2014/main" id="{6CC7ED30-FFE6-4AD2-996C-CAED13764B8E}"/>
+              </a:ext>
+            </a:extLst>
+          </p:cNvPr>
+          <p:cNvSpPr>
+            <a:spLocks noGrp="1"/>
+          </p:cNvSpPr>
+          <p:nvPr>
+            <p:ph type="title"/>
+          </p:nvPr>
+        </p:nvSpPr>
+        <p:spPr/>
+        <p:txBody>
+          <a:bodyPr/>
+          <a:lstStyle/>
+          <a:p>
+            <a:r>
+              <a:rPr lang="en-US" dirty="0"/>
+              <a:t>Polymorphism</a:t>
+            </a:r>
+          </a:p>
+        </p:txBody>
+      </p:sp>
+      <p:sp>
+        <p:nvSpPr>
+          <p:cNvPr id="3" name="Content Placeholder 2">
+            <a:extLst>
+              <a:ext uri="{FF2B5EF4-FFF2-40B4-BE49-F238E27FC236}">
+                <a16:creationId xmlns:a16="http://schemas.microsoft.com/office/drawing/2014/main" id="{344DAEDB-F2D8-4CB5-B084-BBF651B22BF0}"/>
+              </a:ext>
+            </a:extLst>
+          </p:cNvPr>
+          <p:cNvSpPr>
+            <a:spLocks noGrp="1"/>
+          </p:cNvSpPr>
+          <p:nvPr>
+            <p:ph idx="1"/>
+          </p:nvPr>
+        </p:nvSpPr>
+        <p:spPr/>
+        <p:txBody>
+          <a:bodyPr>
+            <a:normAutofit fontScale="92500"/>
+          </a:bodyPr>
+          <a:lstStyle/>
+          <a:p>
+            <a:pPr marL="0" indent="0">
+              <a:buNone/>
+            </a:pPr>
+            <a:r>
+              <a:rPr lang="en-US" dirty="0"/>
+              <a:t>Polymorphism is often referred to as the third pillar of object-oriented programming, after encapsulation and inheritance.</a:t>
+            </a:r>
+          </a:p>
+          <a:p>
+            <a:pPr marL="0" indent="0">
+              <a:buNone/>
+            </a:pPr>
+            <a:endParaRPr lang="en-US" dirty="0"/>
+          </a:p>
+          <a:p>
+            <a:pPr marL="0" indent="0">
+              <a:buNone/>
+            </a:pPr>
+            <a:r>
+              <a:rPr lang="en-US" dirty="0"/>
+              <a:t>Two distinct aspects:</a:t>
+            </a:r>
+          </a:p>
+          <a:p>
+            <a:r>
+              <a:rPr lang="en-US" dirty="0"/>
+              <a:t>At run time, objects of a derived class may be treated as objects of a base class in places such as method parameters and collections or arrays.</a:t>
+            </a:r>
+          </a:p>
+          <a:p>
+            <a:r>
+              <a:rPr lang="en-US" dirty="0"/>
+              <a:t>Base classes may define and implement virtual methods, and derived classes can override them, allowing you to call a method/property on a base class, and cause a derived class's version of the method to be executed.</a:t>
+            </a:r>
+          </a:p>
+        </p:txBody>
+      </p:sp>
+    </p:spTree>
+    <p:extLst>
+      <p:ext uri="{BB962C8B-B14F-4D97-AF65-F5344CB8AC3E}">
+        <p14:creationId xmlns:p14="http://schemas.microsoft.com/office/powerpoint/2010/main" val="4126631764"/>
       </p:ext>
     </p:extLst>
   </p:cSld>
